--- a/materials/slides/4.8 渗透测试——Intruder.pptx
+++ b/materials/slides/4.8 渗透测试——Intruder.pptx
@@ -211,7 +211,7 @@
           <a:p>
             <a:fld id="{EC82124A-F363-4BD3-8BA5-C8EDB8A4673E}" type="datetimeFigureOut">
               <a:rPr lang="zh-CN" altLang="en-US" smtClean="0"/>
-              <a:t>2019/7/11</a:t>
+              <a:t>2019/10/27</a:t>
             </a:fld>
             <a:endParaRPr lang="zh-CN" altLang="en-US"/>
           </a:p>
@@ -614,7 +614,7 @@
           <a:p>
             <a:fld id="{C04CF4A6-17F9-4CD5-BCB8-44B65F331829}" type="datetimeFigureOut">
               <a:rPr lang="zh-CN" altLang="en-US" smtClean="0"/>
-              <a:t>2019/7/11</a:t>
+              <a:t>2019/10/27</a:t>
             </a:fld>
             <a:endParaRPr lang="zh-CN" altLang="en-US"/>
           </a:p>
@@ -901,7 +901,7 @@
           <a:p>
             <a:fld id="{C04CF4A6-17F9-4CD5-BCB8-44B65F331829}" type="datetimeFigureOut">
               <a:rPr lang="zh-CN" altLang="en-US" smtClean="0"/>
-              <a:t>2019/7/11</a:t>
+              <a:t>2019/10/27</a:t>
             </a:fld>
             <a:endParaRPr lang="zh-CN" altLang="en-US"/>
           </a:p>
@@ -1066,7 +1066,7 @@
           <a:p>
             <a:fld id="{C04CF4A6-17F9-4CD5-BCB8-44B65F331829}" type="datetimeFigureOut">
               <a:rPr lang="zh-CN" altLang="en-US" smtClean="0"/>
-              <a:t>2019/7/11</a:t>
+              <a:t>2019/10/27</a:t>
             </a:fld>
             <a:endParaRPr lang="zh-CN" altLang="en-US"/>
           </a:p>
@@ -1241,7 +1241,7 @@
           <a:p>
             <a:fld id="{C04CF4A6-17F9-4CD5-BCB8-44B65F331829}" type="datetimeFigureOut">
               <a:rPr lang="zh-CN" altLang="en-US" smtClean="0"/>
-              <a:t>2019/7/11</a:t>
+              <a:t>2019/10/27</a:t>
             </a:fld>
             <a:endParaRPr lang="zh-CN" altLang="en-US"/>
           </a:p>
@@ -1460,7 +1460,7 @@
           <a:p>
             <a:fld id="{C04CF4A6-17F9-4CD5-BCB8-44B65F331829}" type="datetimeFigureOut">
               <a:rPr lang="zh-CN" altLang="en-US" smtClean="0"/>
-              <a:t>2019/7/11</a:t>
+              <a:t>2019/10/27</a:t>
             </a:fld>
             <a:endParaRPr lang="zh-CN" altLang="en-US"/>
           </a:p>
@@ -1752,7 +1752,7 @@
           <a:p>
             <a:fld id="{C04CF4A6-17F9-4CD5-BCB8-44B65F331829}" type="datetimeFigureOut">
               <a:rPr lang="zh-CN" altLang="en-US" smtClean="0"/>
-              <a:t>2019/7/11</a:t>
+              <a:t>2019/10/27</a:t>
             </a:fld>
             <a:endParaRPr lang="zh-CN" altLang="en-US"/>
           </a:p>
@@ -2066,7 +2066,7 @@
           <a:p>
             <a:fld id="{C04CF4A6-17F9-4CD5-BCB8-44B65F331829}" type="datetimeFigureOut">
               <a:rPr lang="zh-CN" altLang="en-US" smtClean="0"/>
-              <a:t>2019/7/11</a:t>
+              <a:t>2019/10/27</a:t>
             </a:fld>
             <a:endParaRPr lang="zh-CN" altLang="en-US"/>
           </a:p>
@@ -2293,7 +2293,7 @@
           <a:p>
             <a:fld id="{C04CF4A6-17F9-4CD5-BCB8-44B65F331829}" type="datetimeFigureOut">
               <a:rPr lang="zh-CN" altLang="en-US" smtClean="0"/>
-              <a:t>2019/7/11</a:t>
+              <a:t>2019/10/27</a:t>
             </a:fld>
             <a:endParaRPr lang="zh-CN" altLang="en-US"/>
           </a:p>
@@ -2655,7 +2655,7 @@
           <a:p>
             <a:fld id="{C04CF4A6-17F9-4CD5-BCB8-44B65F331829}" type="datetimeFigureOut">
               <a:rPr lang="zh-CN" altLang="en-US" smtClean="0"/>
-              <a:t>2019/7/11</a:t>
+              <a:t>2019/10/27</a:t>
             </a:fld>
             <a:endParaRPr lang="zh-CN" altLang="en-US"/>
           </a:p>
@@ -2768,7 +2768,7 @@
           <a:p>
             <a:fld id="{C04CF4A6-17F9-4CD5-BCB8-44B65F331829}" type="datetimeFigureOut">
               <a:rPr lang="zh-CN" altLang="en-US" smtClean="0"/>
-              <a:t>2019/7/11</a:t>
+              <a:t>2019/10/27</a:t>
             </a:fld>
             <a:endParaRPr lang="zh-CN" altLang="en-US"/>
           </a:p>
@@ -2858,7 +2858,7 @@
           <a:p>
             <a:fld id="{C04CF4A6-17F9-4CD5-BCB8-44B65F331829}" type="datetimeFigureOut">
               <a:rPr lang="zh-CN" altLang="en-US" smtClean="0"/>
-              <a:t>2019/7/11</a:t>
+              <a:t>2019/10/27</a:t>
             </a:fld>
             <a:endParaRPr lang="zh-CN" altLang="en-US"/>
           </a:p>
@@ -3130,7 +3130,7 @@
           <a:p>
             <a:fld id="{C04CF4A6-17F9-4CD5-BCB8-44B65F331829}" type="datetimeFigureOut">
               <a:rPr lang="zh-CN" altLang="en-US" smtClean="0"/>
-              <a:t>2019/7/11</a:t>
+              <a:t>2019/10/27</a:t>
             </a:fld>
             <a:endParaRPr lang="zh-CN" altLang="en-US"/>
           </a:p>
@@ -3338,7 +3338,7 @@
           <a:p>
             <a:fld id="{C04CF4A6-17F9-4CD5-BCB8-44B65F331829}" type="datetimeFigureOut">
               <a:rPr lang="zh-CN" altLang="en-US" smtClean="0"/>
-              <a:t>2019/7/11</a:t>
+              <a:t>2019/10/27</a:t>
             </a:fld>
             <a:endParaRPr lang="zh-CN" altLang="en-US"/>
           </a:p>
@@ -3797,16 +3797,12 @@
           <a:p>
             <a:pPr algn="r"/>
             <a:r>
-              <a:rPr lang="en-US" altLang="zh-CN" dirty="0" smtClean="0"/>
-              <a:t>3.8 </a:t>
-            </a:r>
-            <a:r>
-              <a:rPr lang="en-US" altLang="zh-CN" dirty="0" smtClean="0"/>
-              <a:t>Web</a:t>
-            </a:r>
-            <a:r>
-              <a:rPr lang="zh-CN" altLang="en-US" dirty="0" smtClean="0"/>
-              <a:t>安全测试</a:t>
+              <a:rPr lang="en-US" altLang="zh-CN" smtClean="0"/>
+              <a:t>4.8 </a:t>
+            </a:r>
+            <a:r>
+              <a:rPr lang="zh-CN" altLang="en-US" smtClean="0"/>
+              <a:t>渗透测试</a:t>
             </a:r>
             <a:r>
               <a:rPr lang="en-US" altLang="zh-CN" dirty="0" smtClean="0"/>

--- a/materials/slides/4.8 渗透测试——Intruder.pptx
+++ b/materials/slides/4.8 渗透测试——Intruder.pptx
@@ -211,7 +211,7 @@
           <a:p>
             <a:fld id="{EC82124A-F363-4BD3-8BA5-C8EDB8A4673E}" type="datetimeFigureOut">
               <a:rPr lang="zh-CN" altLang="en-US" smtClean="0"/>
-              <a:t>2019/10/27</a:t>
+              <a:t>2019/11/6</a:t>
             </a:fld>
             <a:endParaRPr lang="zh-CN" altLang="en-US"/>
           </a:p>
@@ -479,6 +479,90 @@
 </p:notesMaster>
 </file>
 
+<file path=ppt/notesSlides/notesSlide1.xml><?xml version="1.0" encoding="utf-8"?>
+<p:notes xmlns:a="http://schemas.openxmlformats.org/drawingml/2006/main" xmlns:r="http://schemas.openxmlformats.org/officeDocument/2006/relationships" xmlns:p="http://schemas.openxmlformats.org/presentationml/2006/main">
+  <p:cSld>
+    <p:spTree>
+      <p:nvGrpSpPr>
+        <p:cNvPr id="1" name=""/>
+        <p:cNvGrpSpPr/>
+        <p:nvPr/>
+      </p:nvGrpSpPr>
+      <p:grpSpPr>
+        <a:xfrm>
+          <a:off x="0" y="0"/>
+          <a:ext cx="0" cy="0"/>
+          <a:chOff x="0" y="0"/>
+          <a:chExt cx="0" cy="0"/>
+        </a:xfrm>
+      </p:grpSpPr>
+      <p:sp>
+        <p:nvSpPr>
+          <p:cNvPr id="2" name="幻灯片图像占位符 1"/>
+          <p:cNvSpPr>
+            <a:spLocks noGrp="1" noRot="1" noChangeAspect="1"/>
+          </p:cNvSpPr>
+          <p:nvPr>
+            <p:ph type="sldImg"/>
+          </p:nvPr>
+        </p:nvSpPr>
+        <p:spPr/>
+      </p:sp>
+      <p:sp>
+        <p:nvSpPr>
+          <p:cNvPr id="3" name="备注占位符 2"/>
+          <p:cNvSpPr>
+            <a:spLocks noGrp="1"/>
+          </p:cNvSpPr>
+          <p:nvPr>
+            <p:ph type="body" idx="1"/>
+          </p:nvPr>
+        </p:nvSpPr>
+        <p:spPr/>
+        <p:txBody>
+          <a:bodyPr/>
+          <a:lstStyle/>
+          <a:p>
+            <a:endParaRPr lang="zh-CN" altLang="en-US" dirty="0"/>
+          </a:p>
+        </p:txBody>
+      </p:sp>
+      <p:sp>
+        <p:nvSpPr>
+          <p:cNvPr id="4" name="灯片编号占位符 3"/>
+          <p:cNvSpPr>
+            <a:spLocks noGrp="1"/>
+          </p:cNvSpPr>
+          <p:nvPr>
+            <p:ph type="sldNum" sz="quarter" idx="10"/>
+          </p:nvPr>
+        </p:nvSpPr>
+        <p:spPr/>
+        <p:txBody>
+          <a:bodyPr/>
+          <a:lstStyle/>
+          <a:p>
+            <a:fld id="{8D7ACA88-C620-47A1-A6D3-F68F6DD6FEE9}" type="slidenum">
+              <a:rPr lang="zh-CN" altLang="en-US" smtClean="0"/>
+              <a:t>3</a:t>
+            </a:fld>
+            <a:endParaRPr lang="zh-CN" altLang="en-US"/>
+          </a:p>
+        </p:txBody>
+      </p:sp>
+    </p:spTree>
+    <p:extLst>
+      <p:ext uri="{BB962C8B-B14F-4D97-AF65-F5344CB8AC3E}">
+        <p14:creationId xmlns:p14="http://schemas.microsoft.com/office/powerpoint/2010/main" val="3054102944"/>
+      </p:ext>
+    </p:extLst>
+  </p:cSld>
+  <p:clrMapOvr>
+    <a:masterClrMapping/>
+  </p:clrMapOvr>
+</p:notes>
+</file>
+
 <file path=ppt/slideLayouts/slideLayout1.xml><?xml version="1.0" encoding="utf-8"?>
 <p:sldLayout xmlns:a="http://schemas.openxmlformats.org/drawingml/2006/main" xmlns:r="http://schemas.openxmlformats.org/officeDocument/2006/relationships" xmlns:p="http://schemas.openxmlformats.org/presentationml/2006/main" type="title" preserve="1">
   <p:cSld name="标题幻灯片">
@@ -614,7 +698,7 @@
           <a:p>
             <a:fld id="{C04CF4A6-17F9-4CD5-BCB8-44B65F331829}" type="datetimeFigureOut">
               <a:rPr lang="zh-CN" altLang="en-US" smtClean="0"/>
-              <a:t>2019/10/27</a:t>
+              <a:t>2019/11/6</a:t>
             </a:fld>
             <a:endParaRPr lang="zh-CN" altLang="en-US"/>
           </a:p>
@@ -901,7 +985,7 @@
           <a:p>
             <a:fld id="{C04CF4A6-17F9-4CD5-BCB8-44B65F331829}" type="datetimeFigureOut">
               <a:rPr lang="zh-CN" altLang="en-US" smtClean="0"/>
-              <a:t>2019/10/27</a:t>
+              <a:t>2019/11/6</a:t>
             </a:fld>
             <a:endParaRPr lang="zh-CN" altLang="en-US"/>
           </a:p>
@@ -1066,7 +1150,7 @@
           <a:p>
             <a:fld id="{C04CF4A6-17F9-4CD5-BCB8-44B65F331829}" type="datetimeFigureOut">
               <a:rPr lang="zh-CN" altLang="en-US" smtClean="0"/>
-              <a:t>2019/10/27</a:t>
+              <a:t>2019/11/6</a:t>
             </a:fld>
             <a:endParaRPr lang="zh-CN" altLang="en-US"/>
           </a:p>
@@ -1241,7 +1325,7 @@
           <a:p>
             <a:fld id="{C04CF4A6-17F9-4CD5-BCB8-44B65F331829}" type="datetimeFigureOut">
               <a:rPr lang="zh-CN" altLang="en-US" smtClean="0"/>
-              <a:t>2019/10/27</a:t>
+              <a:t>2019/11/6</a:t>
             </a:fld>
             <a:endParaRPr lang="zh-CN" altLang="en-US"/>
           </a:p>
@@ -1460,7 +1544,7 @@
           <a:p>
             <a:fld id="{C04CF4A6-17F9-4CD5-BCB8-44B65F331829}" type="datetimeFigureOut">
               <a:rPr lang="zh-CN" altLang="en-US" smtClean="0"/>
-              <a:t>2019/10/27</a:t>
+              <a:t>2019/11/6</a:t>
             </a:fld>
             <a:endParaRPr lang="zh-CN" altLang="en-US"/>
           </a:p>
@@ -1752,7 +1836,7 @@
           <a:p>
             <a:fld id="{C04CF4A6-17F9-4CD5-BCB8-44B65F331829}" type="datetimeFigureOut">
               <a:rPr lang="zh-CN" altLang="en-US" smtClean="0"/>
-              <a:t>2019/10/27</a:t>
+              <a:t>2019/11/6</a:t>
             </a:fld>
             <a:endParaRPr lang="zh-CN" altLang="en-US"/>
           </a:p>
@@ -2066,7 +2150,7 @@
           <a:p>
             <a:fld id="{C04CF4A6-17F9-4CD5-BCB8-44B65F331829}" type="datetimeFigureOut">
               <a:rPr lang="zh-CN" altLang="en-US" smtClean="0"/>
-              <a:t>2019/10/27</a:t>
+              <a:t>2019/11/6</a:t>
             </a:fld>
             <a:endParaRPr lang="zh-CN" altLang="en-US"/>
           </a:p>
@@ -2293,7 +2377,7 @@
           <a:p>
             <a:fld id="{C04CF4A6-17F9-4CD5-BCB8-44B65F331829}" type="datetimeFigureOut">
               <a:rPr lang="zh-CN" altLang="en-US" smtClean="0"/>
-              <a:t>2019/10/27</a:t>
+              <a:t>2019/11/6</a:t>
             </a:fld>
             <a:endParaRPr lang="zh-CN" altLang="en-US"/>
           </a:p>
@@ -2655,7 +2739,7 @@
           <a:p>
             <a:fld id="{C04CF4A6-17F9-4CD5-BCB8-44B65F331829}" type="datetimeFigureOut">
               <a:rPr lang="zh-CN" altLang="en-US" smtClean="0"/>
-              <a:t>2019/10/27</a:t>
+              <a:t>2019/11/6</a:t>
             </a:fld>
             <a:endParaRPr lang="zh-CN" altLang="en-US"/>
           </a:p>
@@ -2768,7 +2852,7 @@
           <a:p>
             <a:fld id="{C04CF4A6-17F9-4CD5-BCB8-44B65F331829}" type="datetimeFigureOut">
               <a:rPr lang="zh-CN" altLang="en-US" smtClean="0"/>
-              <a:t>2019/10/27</a:t>
+              <a:t>2019/11/6</a:t>
             </a:fld>
             <a:endParaRPr lang="zh-CN" altLang="en-US"/>
           </a:p>
@@ -2858,7 +2942,7 @@
           <a:p>
             <a:fld id="{C04CF4A6-17F9-4CD5-BCB8-44B65F331829}" type="datetimeFigureOut">
               <a:rPr lang="zh-CN" altLang="en-US" smtClean="0"/>
-              <a:t>2019/10/27</a:t>
+              <a:t>2019/11/6</a:t>
             </a:fld>
             <a:endParaRPr lang="zh-CN" altLang="en-US"/>
           </a:p>
@@ -3130,7 +3214,7 @@
           <a:p>
             <a:fld id="{C04CF4A6-17F9-4CD5-BCB8-44B65F331829}" type="datetimeFigureOut">
               <a:rPr lang="zh-CN" altLang="en-US" smtClean="0"/>
-              <a:t>2019/10/27</a:t>
+              <a:t>2019/11/6</a:t>
             </a:fld>
             <a:endParaRPr lang="zh-CN" altLang="en-US"/>
           </a:p>
@@ -3338,7 +3422,7 @@
           <a:p>
             <a:fld id="{C04CF4A6-17F9-4CD5-BCB8-44B65F331829}" type="datetimeFigureOut">
               <a:rPr lang="zh-CN" altLang="en-US" smtClean="0"/>
-              <a:t>2019/10/27</a:t>
+              <a:t>2019/11/6</a:t>
             </a:fld>
             <a:endParaRPr lang="zh-CN" altLang="en-US"/>
           </a:p>
@@ -4593,18 +4677,11 @@
             </a:pPr>
             <a:r>
               <a:rPr lang="zh-CN" altLang="en-US" dirty="0" smtClean="0"/>
-              <a:t>关闭代理拦截功能</a:t>
-            </a:r>
-            <a:endParaRPr lang="en-US" altLang="zh-CN" dirty="0" smtClean="0"/>
-          </a:p>
-          <a:p>
-            <a:pPr marL="514350" indent="-514350">
-              <a:buFont typeface="+mj-lt"/>
-              <a:buAutoNum type="arabicPeriod"/>
-            </a:pPr>
+              <a:t>进入</a:t>
+            </a:r>
             <a:r>
               <a:rPr lang="zh-CN" altLang="en-US" dirty="0" smtClean="0"/>
-              <a:t>进入历史日志（</a:t>
+              <a:t>历史日志（</a:t>
             </a:r>
             <a:r>
               <a:rPr lang="en-US" altLang="zh-CN" dirty="0" smtClean="0"/>
